--- a/02-ComputerKnowledge.pptx
+++ b/02-ComputerKnowledge.pptx
@@ -2105,9 +2105,53 @@
             </a:r>
             <a:r>
               <a:rPr lang="en-US" dirty="0" smtClean="0"/>
-              <a:t>Visual Studio 2013</a:t>
-            </a:r>
-            <a:endParaRPr lang="en-US" dirty="0"/>
+              <a:t>Visual Studio </a:t>
+            </a:r>
+            <a:r>
+              <a:rPr lang="en-US" dirty="0" smtClean="0"/>
+              <a:t>2013</a:t>
+            </a:r>
+          </a:p>
+          <a:p>
+            <a:pPr lvl="1"/>
+            <a:r>
+              <a:rPr lang="en-US" dirty="0" smtClean="0">
+                <a:solidFill>
+                  <a:schemeClr val="bg1"/>
+                </a:solidFill>
+              </a:rPr>
+              <a:t>Optional features to install (choose only this)</a:t>
+            </a:r>
+          </a:p>
+          <a:p>
+            <a:pPr lvl="2"/>
+            <a:r>
+              <a:rPr lang="en-US" dirty="0" smtClean="0">
+                <a:solidFill>
+                  <a:schemeClr val="bg1"/>
+                </a:solidFill>
+              </a:rPr>
+              <a:t>Microsoft SQL Server Data tools</a:t>
+            </a:r>
+          </a:p>
+          <a:p>
+            <a:pPr lvl="2"/>
+            <a:r>
+              <a:rPr lang="en-US" dirty="0" smtClean="0">
+                <a:solidFill>
+                  <a:schemeClr val="bg1"/>
+                </a:solidFill>
+              </a:rPr>
+              <a:t>Microsoft Web Developer tools</a:t>
+            </a:r>
+          </a:p>
+          <a:p>
+            <a:pPr lvl="2"/>
+            <a:endParaRPr lang="en-US" dirty="0">
+              <a:solidFill>
+                <a:schemeClr val="bg1"/>
+              </a:solidFill>
+            </a:endParaRPr>
           </a:p>
         </p:txBody>
       </p:sp>
